--- a/36x60_GOLD.pptx
+++ b/36x60_GOLD.pptx
@@ -64,7 +64,7 @@
         <p:spPr>
           <a:xfrm>
             <a:off x="4191120" y="838080"/>
-            <a:ext cx="17754120" cy="5486400"/>
+            <a:ext cx="17753760" cy="5486400"/>
           </a:xfrm>
           <a:prstGeom prst="rect">
             <a:avLst/>
@@ -73,6 +73,7 @@
         <p:txBody>
           <a:bodyPr lIns="0" rIns="0" tIns="0" bIns="0" anchor="ctr"/>
           <a:p>
+            <a:pPr algn="ctr"/>
             <a:endParaRPr/>
           </a:p>
         </p:txBody>
@@ -90,7 +91,7 @@
         <p:spPr>
           <a:xfrm>
             <a:off x="1166400" y="8229600"/>
-            <a:ext cx="5714640" cy="3489120"/>
+            <a:ext cx="5714280" cy="3488760"/>
           </a:xfrm>
           <a:prstGeom prst="rect">
             <a:avLst/>
@@ -115,8 +116,8 @@
         </p:nvSpPr>
         <p:spPr>
           <a:xfrm>
-            <a:off x="1166400" y="12050640"/>
-            <a:ext cx="5714640" cy="3489120"/>
+            <a:off x="1166400" y="12050280"/>
+            <a:ext cx="5714280" cy="3488760"/>
           </a:xfrm>
           <a:prstGeom prst="rect">
             <a:avLst/>
@@ -164,7 +165,7 @@
         <p:spPr>
           <a:xfrm>
             <a:off x="4191120" y="838080"/>
-            <a:ext cx="17754120" cy="5486400"/>
+            <a:ext cx="17753760" cy="5486400"/>
           </a:xfrm>
           <a:prstGeom prst="rect">
             <a:avLst/>
@@ -173,6 +174,7 @@
         <p:txBody>
           <a:bodyPr lIns="0" rIns="0" tIns="0" bIns="0" anchor="ctr"/>
           <a:p>
+            <a:pPr algn="ctr"/>
             <a:endParaRPr/>
           </a:p>
         </p:txBody>
@@ -190,7 +192,7 @@
         <p:spPr>
           <a:xfrm>
             <a:off x="1166400" y="8229600"/>
-            <a:ext cx="2788560" cy="3489120"/>
+            <a:ext cx="2788560" cy="3488760"/>
           </a:xfrm>
           <a:prstGeom prst="rect">
             <a:avLst/>
@@ -216,7 +218,7 @@
         <p:spPr>
           <a:xfrm>
             <a:off x="4094640" y="8229600"/>
-            <a:ext cx="2788560" cy="3489120"/>
+            <a:ext cx="2788560" cy="3488760"/>
           </a:xfrm>
           <a:prstGeom prst="rect">
             <a:avLst/>
@@ -241,8 +243,8 @@
         </p:nvSpPr>
         <p:spPr>
           <a:xfrm>
-            <a:off x="4094640" y="12050640"/>
-            <a:ext cx="2788560" cy="3489120"/>
+            <a:off x="4094640" y="12050280"/>
+            <a:ext cx="2788560" cy="3488760"/>
           </a:xfrm>
           <a:prstGeom prst="rect">
             <a:avLst/>
@@ -267,8 +269,8 @@
         </p:nvSpPr>
         <p:spPr>
           <a:xfrm>
-            <a:off x="1166400" y="12050640"/>
-            <a:ext cx="2788560" cy="3489120"/>
+            <a:off x="1166400" y="12050280"/>
+            <a:ext cx="2788560" cy="3488760"/>
           </a:xfrm>
           <a:prstGeom prst="rect">
             <a:avLst/>
@@ -316,7 +318,7 @@
         <p:spPr>
           <a:xfrm>
             <a:off x="4191120" y="838080"/>
-            <a:ext cx="17754120" cy="5486400"/>
+            <a:ext cx="17753760" cy="5486400"/>
           </a:xfrm>
           <a:prstGeom prst="rect">
             <a:avLst/>
@@ -325,6 +327,7 @@
         <p:txBody>
           <a:bodyPr lIns="0" rIns="0" tIns="0" bIns="0" anchor="ctr"/>
           <a:p>
+            <a:pPr algn="ctr"/>
             <a:endParaRPr/>
           </a:p>
         </p:txBody>
@@ -342,7 +345,7 @@
         <p:spPr>
           <a:xfrm>
             <a:off x="1166400" y="8229600"/>
-            <a:ext cx="5714640" cy="7314840"/>
+            <a:ext cx="5714280" cy="7314480"/>
           </a:xfrm>
           <a:prstGeom prst="rect">
             <a:avLst/>
@@ -368,7 +371,7 @@
         <p:spPr>
           <a:xfrm>
             <a:off x="1166400" y="8229600"/>
-            <a:ext cx="5714640" cy="7314840"/>
+            <a:ext cx="5714280" cy="7314480"/>
           </a:xfrm>
           <a:prstGeom prst="rect">
             <a:avLst/>
@@ -395,8 +398,8 @@
         </p:blipFill>
         <p:spPr>
           <a:xfrm>
-            <a:off x="1166400" y="9606960"/>
-            <a:ext cx="5714640" cy="4559400"/>
+            <a:off x="1166040" y="9607320"/>
+            <a:ext cx="5714280" cy="4559040"/>
           </a:xfrm>
           <a:prstGeom prst="rect">
             <a:avLst/>
@@ -420,8 +423,8 @@
         </p:blipFill>
         <p:spPr>
           <a:xfrm>
-            <a:off x="1166400" y="9606960"/>
-            <a:ext cx="5714640" cy="4559400"/>
+            <a:off x="1166040" y="9607320"/>
+            <a:ext cx="5714280" cy="4559040"/>
           </a:xfrm>
           <a:prstGeom prst="rect">
             <a:avLst/>
@@ -466,7 +469,7 @@
         <p:spPr>
           <a:xfrm>
             <a:off x="4191120" y="838080"/>
-            <a:ext cx="17754120" cy="5486400"/>
+            <a:ext cx="17753760" cy="5486400"/>
           </a:xfrm>
           <a:prstGeom prst="rect">
             <a:avLst/>
@@ -475,6 +478,7 @@
         <p:txBody>
           <a:bodyPr lIns="0" rIns="0" tIns="0" bIns="0" anchor="ctr"/>
           <a:p>
+            <a:pPr algn="ctr"/>
             <a:endParaRPr/>
           </a:p>
         </p:txBody>
@@ -492,7 +496,7 @@
         <p:spPr>
           <a:xfrm>
             <a:off x="1166400" y="8229600"/>
-            <a:ext cx="5714640" cy="7315200"/>
+            <a:ext cx="5714280" cy="7314840"/>
           </a:xfrm>
           <a:prstGeom prst="rect">
             <a:avLst/>
@@ -541,7 +545,7 @@
         <p:spPr>
           <a:xfrm>
             <a:off x="4191120" y="838080"/>
-            <a:ext cx="17754120" cy="5486400"/>
+            <a:ext cx="17753760" cy="5486400"/>
           </a:xfrm>
           <a:prstGeom prst="rect">
             <a:avLst/>
@@ -550,6 +554,7 @@
         <p:txBody>
           <a:bodyPr lIns="0" rIns="0" tIns="0" bIns="0" anchor="ctr"/>
           <a:p>
+            <a:pPr algn="ctr"/>
             <a:endParaRPr/>
           </a:p>
         </p:txBody>
@@ -567,7 +572,7 @@
         <p:spPr>
           <a:xfrm>
             <a:off x="1166400" y="8229600"/>
-            <a:ext cx="5714640" cy="7314840"/>
+            <a:ext cx="5714280" cy="7314480"/>
           </a:xfrm>
           <a:prstGeom prst="rect">
             <a:avLst/>
@@ -615,7 +620,7 @@
         <p:spPr>
           <a:xfrm>
             <a:off x="4191120" y="838080"/>
-            <a:ext cx="17754120" cy="5486400"/>
+            <a:ext cx="17753760" cy="5486400"/>
           </a:xfrm>
           <a:prstGeom prst="rect">
             <a:avLst/>
@@ -624,6 +629,7 @@
         <p:txBody>
           <a:bodyPr lIns="0" rIns="0" tIns="0" bIns="0" anchor="ctr"/>
           <a:p>
+            <a:pPr algn="ctr"/>
             <a:endParaRPr/>
           </a:p>
         </p:txBody>
@@ -641,7 +647,7 @@
         <p:spPr>
           <a:xfrm>
             <a:off x="1166400" y="8229600"/>
-            <a:ext cx="2788560" cy="7314840"/>
+            <a:ext cx="2788560" cy="7314480"/>
           </a:xfrm>
           <a:prstGeom prst="rect">
             <a:avLst/>
@@ -667,7 +673,7 @@
         <p:spPr>
           <a:xfrm>
             <a:off x="4094640" y="8229600"/>
-            <a:ext cx="2788560" cy="7314840"/>
+            <a:ext cx="2788560" cy="7314480"/>
           </a:xfrm>
           <a:prstGeom prst="rect">
             <a:avLst/>
@@ -715,7 +721,7 @@
         <p:spPr>
           <a:xfrm>
             <a:off x="4191120" y="838080"/>
-            <a:ext cx="17754120" cy="5486400"/>
+            <a:ext cx="17753760" cy="5486400"/>
           </a:xfrm>
           <a:prstGeom prst="rect">
             <a:avLst/>
@@ -724,6 +730,7 @@
         <p:txBody>
           <a:bodyPr lIns="0" rIns="0" tIns="0" bIns="0" anchor="ctr"/>
           <a:p>
+            <a:pPr algn="ctr"/>
             <a:endParaRPr/>
           </a:p>
         </p:txBody>
@@ -763,7 +770,7 @@
         <p:spPr>
           <a:xfrm>
             <a:off x="4191120" y="838080"/>
-            <a:ext cx="17754120" cy="25431480"/>
+            <a:ext cx="17753760" cy="25431480"/>
           </a:xfrm>
           <a:prstGeom prst="rect">
             <a:avLst/>
@@ -812,7 +819,7 @@
         <p:spPr>
           <a:xfrm>
             <a:off x="4191120" y="838080"/>
-            <a:ext cx="17754120" cy="5486400"/>
+            <a:ext cx="17753760" cy="5486400"/>
           </a:xfrm>
           <a:prstGeom prst="rect">
             <a:avLst/>
@@ -821,6 +828,7 @@
         <p:txBody>
           <a:bodyPr lIns="0" rIns="0" tIns="0" bIns="0" anchor="ctr"/>
           <a:p>
+            <a:pPr algn="ctr"/>
             <a:endParaRPr/>
           </a:p>
         </p:txBody>
@@ -838,7 +846,7 @@
         <p:spPr>
           <a:xfrm>
             <a:off x="1166400" y="8229600"/>
-            <a:ext cx="2788560" cy="3489120"/>
+            <a:ext cx="2788560" cy="3488760"/>
           </a:xfrm>
           <a:prstGeom prst="rect">
             <a:avLst/>
@@ -863,8 +871,8 @@
         </p:nvSpPr>
         <p:spPr>
           <a:xfrm>
-            <a:off x="1166400" y="12050640"/>
-            <a:ext cx="2788560" cy="3489120"/>
+            <a:off x="1166400" y="12050280"/>
+            <a:ext cx="2788560" cy="3488760"/>
           </a:xfrm>
           <a:prstGeom prst="rect">
             <a:avLst/>
@@ -890,7 +898,7 @@
         <p:spPr>
           <a:xfrm>
             <a:off x="4094640" y="8229600"/>
-            <a:ext cx="2788560" cy="7314840"/>
+            <a:ext cx="2788560" cy="7314480"/>
           </a:xfrm>
           <a:prstGeom prst="rect">
             <a:avLst/>
@@ -938,7 +946,7 @@
         <p:spPr>
           <a:xfrm>
             <a:off x="4191120" y="838080"/>
-            <a:ext cx="17754120" cy="5486400"/>
+            <a:ext cx="17753760" cy="5486400"/>
           </a:xfrm>
           <a:prstGeom prst="rect">
             <a:avLst/>
@@ -947,6 +955,7 @@
         <p:txBody>
           <a:bodyPr lIns="0" rIns="0" tIns="0" bIns="0" anchor="ctr"/>
           <a:p>
+            <a:pPr algn="ctr"/>
             <a:endParaRPr/>
           </a:p>
         </p:txBody>
@@ -964,7 +973,7 @@
         <p:spPr>
           <a:xfrm>
             <a:off x="1166400" y="8229600"/>
-            <a:ext cx="2788560" cy="7314840"/>
+            <a:ext cx="2788560" cy="7314480"/>
           </a:xfrm>
           <a:prstGeom prst="rect">
             <a:avLst/>
@@ -990,7 +999,7 @@
         <p:spPr>
           <a:xfrm>
             <a:off x="4094640" y="8229600"/>
-            <a:ext cx="2788560" cy="3489120"/>
+            <a:ext cx="2788560" cy="3488760"/>
           </a:xfrm>
           <a:prstGeom prst="rect">
             <a:avLst/>
@@ -1015,8 +1024,8 @@
         </p:nvSpPr>
         <p:spPr>
           <a:xfrm>
-            <a:off x="4094640" y="12050640"/>
-            <a:ext cx="2788560" cy="3489120"/>
+            <a:off x="4094640" y="12050280"/>
+            <a:ext cx="2788560" cy="3488760"/>
           </a:xfrm>
           <a:prstGeom prst="rect">
             <a:avLst/>
@@ -1064,7 +1073,7 @@
         <p:spPr>
           <a:xfrm>
             <a:off x="4191120" y="838080"/>
-            <a:ext cx="17754120" cy="5486400"/>
+            <a:ext cx="17753760" cy="5486400"/>
           </a:xfrm>
           <a:prstGeom prst="rect">
             <a:avLst/>
@@ -1073,6 +1082,7 @@
         <p:txBody>
           <a:bodyPr lIns="0" rIns="0" tIns="0" bIns="0" anchor="ctr"/>
           <a:p>
+            <a:pPr algn="ctr"/>
             <a:endParaRPr/>
           </a:p>
         </p:txBody>
@@ -1090,7 +1100,7 @@
         <p:spPr>
           <a:xfrm>
             <a:off x="1166400" y="8229600"/>
-            <a:ext cx="2788560" cy="3489120"/>
+            <a:ext cx="2788560" cy="3488760"/>
           </a:xfrm>
           <a:prstGeom prst="rect">
             <a:avLst/>
@@ -1116,7 +1126,7 @@
         <p:spPr>
           <a:xfrm>
             <a:off x="4094640" y="8229600"/>
-            <a:ext cx="2788560" cy="3489120"/>
+            <a:ext cx="2788560" cy="3488760"/>
           </a:xfrm>
           <a:prstGeom prst="rect">
             <a:avLst/>
@@ -1141,8 +1151,8 @@
         </p:nvSpPr>
         <p:spPr>
           <a:xfrm>
-            <a:off x="1166400" y="12050640"/>
-            <a:ext cx="5714640" cy="3489120"/>
+            <a:off x="1166400" y="12050280"/>
+            <a:ext cx="5714280" cy="3488760"/>
           </a:xfrm>
           <a:prstGeom prst="rect">
             <a:avLst/>
@@ -1192,7 +1202,7 @@
         <p:spPr>
           <a:xfrm>
             <a:off x="1143000" y="990720"/>
-            <a:ext cx="2742840" cy="743400"/>
+            <a:ext cx="2742480" cy="743040"/>
           </a:xfrm>
           <a:prstGeom prst="rect">
             <a:avLst/>
@@ -1210,8 +1220,8 @@
         </p:nvSpPr>
         <p:spPr>
           <a:xfrm rot="16200000">
-            <a:off x="-912600" y="14412960"/>
-            <a:ext cx="2246760" cy="90360"/>
+            <a:off x="-912240" y="14413320"/>
+            <a:ext cx="2246400" cy="90000"/>
           </a:xfrm>
           <a:prstGeom prst="rect">
             <a:avLst/>
@@ -1249,7 +1259,7 @@
         <p:spPr>
           <a:xfrm>
             <a:off x="20253960" y="2895480"/>
-            <a:ext cx="6263280" cy="11963160"/>
+            <a:ext cx="6262920" cy="11962800"/>
           </a:xfrm>
           <a:prstGeom prst="rect">
             <a:avLst/>
@@ -1271,7 +1281,7 @@
         <p:spPr>
           <a:xfrm>
             <a:off x="7360920" y="2895480"/>
-            <a:ext cx="6263280" cy="11963160"/>
+            <a:ext cx="6262920" cy="11962800"/>
           </a:xfrm>
           <a:prstGeom prst="rect">
             <a:avLst/>
@@ -1293,7 +1303,7 @@
         <p:spPr>
           <a:xfrm>
             <a:off x="13807440" y="2895480"/>
-            <a:ext cx="6263280" cy="11963160"/>
+            <a:ext cx="6262920" cy="11962800"/>
           </a:xfrm>
           <a:prstGeom prst="rect">
             <a:avLst/>
@@ -1315,7 +1325,7 @@
         <p:spPr>
           <a:xfrm>
             <a:off x="914400" y="2895480"/>
-            <a:ext cx="6263280" cy="11963160"/>
+            <a:ext cx="6262920" cy="11962800"/>
           </a:xfrm>
           <a:prstGeom prst="rect">
             <a:avLst/>
@@ -1335,20 +1345,53 @@
             <a:spLocks noGrp="1"/>
           </p:cNvSpPr>
           <p:nvPr>
+            <p:ph type="title"/>
+          </p:nvPr>
+        </p:nvSpPr>
+        <p:spPr>
+          <a:xfrm>
+            <a:off x="4191120" y="838080"/>
+            <a:ext cx="17753760" cy="5486040"/>
+          </a:xfrm>
+          <a:prstGeom prst="rect">
+            <a:avLst/>
+          </a:prstGeom>
+        </p:spPr>
+        <p:txBody>
+          <a:bodyPr lIns="0" rIns="0" tIns="0" bIns="0" anchor="ctr"/>
+          <a:p>
+            <a:pPr algn="ctr"/>
+            <a:r>
+              <a:rPr lang="en-US" sz="4400">
+                <a:latin typeface="Arial"/>
+              </a:rPr>
+              <a:t>Click to edit the title text format</a:t>
+            </a:r>
+            <a:endParaRPr/>
+          </a:p>
+        </p:txBody>
+      </p:sp>
+      <p:sp>
+        <p:nvSpPr>
+          <p:cNvPr id="7" name="PlaceHolder 7"/>
+          <p:cNvSpPr>
+            <a:spLocks noGrp="1"/>
+          </p:cNvSpPr>
+          <p:nvPr>
             <p:ph type="body"/>
           </p:nvPr>
         </p:nvSpPr>
         <p:spPr>
           <a:xfrm>
             <a:off x="1166400" y="8229600"/>
-            <a:ext cx="5714640" cy="7314840"/>
-          </a:xfrm>
-          <a:prstGeom prst="rect">
-            <a:avLst/>
-          </a:prstGeom>
-        </p:spPr>
-        <p:txBody>
-          <a:bodyPr lIns="45720" rIns="45720" tIns="45000" bIns="45000"/>
+            <a:ext cx="5714280" cy="7314480"/>
+          </a:xfrm>
+          <a:prstGeom prst="rect">
+            <a:avLst/>
+          </a:prstGeom>
+        </p:spPr>
+        <p:txBody>
+          <a:bodyPr lIns="0" rIns="0" tIns="0" bIns="0"/>
           <a:p>
             <a:pPr>
               <a:buSzPct val="45000"/>
@@ -1356,9 +1399,8 @@
               <a:buChar char=""/>
             </a:pPr>
             <a:r>
-              <a:rPr lang="en-US" sz="1400">
-                <a:latin typeface="Calibri"/>
-                <a:ea typeface="Calibri"/>
+              <a:rPr lang="en-US" sz="3200">
+                <a:latin typeface="Arial"/>
               </a:rPr>
               <a:t>Click to edit the outline text format</a:t>
             </a:r>
@@ -1371,9 +1413,8 @@
               <a:buChar char=""/>
             </a:pPr>
             <a:r>
-              <a:rPr lang="en-US" sz="1400">
-                <a:latin typeface="Calibri"/>
-                <a:ea typeface="Calibri"/>
+              <a:rPr lang="en-US" sz="2800">
+                <a:latin typeface="Arial"/>
               </a:rPr>
               <a:t>Second Outline Level</a:t>
             </a:r>
@@ -1386,9 +1427,8 @@
               <a:buChar char=""/>
             </a:pPr>
             <a:r>
-              <a:rPr lang="en-US" sz="1400">
-                <a:latin typeface="Calibri"/>
-                <a:ea typeface="Calibri"/>
+              <a:rPr lang="en-US" sz="2400">
+                <a:latin typeface="Arial"/>
               </a:rPr>
               <a:t>Third Outline Level</a:t>
             </a:r>
@@ -1401,9 +1441,8 @@
               <a:buChar char=""/>
             </a:pPr>
             <a:r>
-              <a:rPr lang="en-US" sz="1400">
-                <a:latin typeface="Calibri"/>
-                <a:ea typeface="Calibri"/>
+              <a:rPr lang="en-US" sz="2000">
+                <a:latin typeface="Arial"/>
               </a:rPr>
               <a:t>Fourth Outline Level</a:t>
             </a:r>
@@ -1416,9 +1455,8 @@
               <a:buChar char=""/>
             </a:pPr>
             <a:r>
-              <a:rPr lang="en-US" sz="1400">
-                <a:latin typeface="Calibri"/>
-                <a:ea typeface="Calibri"/>
+              <a:rPr lang="en-US" sz="2000">
+                <a:latin typeface="Arial"/>
               </a:rPr>
               <a:t>Fifth Outline Level</a:t>
             </a:r>
@@ -1431,135 +1469,24 @@
               <a:buChar char=""/>
             </a:pPr>
             <a:r>
-              <a:rPr lang="en-US" sz="1400">
-                <a:latin typeface="Calibri"/>
-                <a:ea typeface="Calibri"/>
+              <a:rPr lang="en-US" sz="2000">
+                <a:latin typeface="Arial"/>
               </a:rPr>
               <a:t>Sixth Outline Level</a:t>
             </a:r>
             <a:endParaRPr/>
           </a:p>
           <a:p>
-            <a:pPr>
-              <a:lnSpc>
-                <a:spcPct val="100000"/>
-              </a:lnSpc>
+            <a:pPr lvl="6">
+              <a:buSzPct val="45000"/>
+              <a:buFont typeface="StarSymbol"/>
+              <a:buChar char=""/>
             </a:pPr>
             <a:r>
-              <a:rPr lang="en-US" sz="1400">
-                <a:latin typeface="Calibri"/>
-                <a:ea typeface="Calibri"/>
-              </a:rPr>
-              <a:t>Seventh Outline LevelBody Level One</a:t>
-            </a:r>
-            <a:endParaRPr/>
-          </a:p>
-          <a:p>
-            <a:pPr lvl="1">
-              <a:lnSpc>
-                <a:spcPct val="100000"/>
-              </a:lnSpc>
-              <a:buFont typeface="StarSymbol"/>
-              <a:buChar char=""/>
-            </a:pPr>
-            <a:r>
-              <a:rPr lang="en-US" sz="1400">
-                <a:latin typeface="Calibri"/>
-                <a:ea typeface="Calibri"/>
-              </a:rPr>
-              <a:t>Body Level Two</a:t>
-            </a:r>
-            <a:endParaRPr/>
-          </a:p>
-          <a:p>
-            <a:pPr lvl="2">
-              <a:lnSpc>
-                <a:spcPct val="100000"/>
-              </a:lnSpc>
-              <a:buFont typeface="StarSymbol"/>
-              <a:buChar char=""/>
-            </a:pPr>
-            <a:r>
-              <a:rPr lang="en-US" sz="1400">
-                <a:latin typeface="Calibri"/>
-                <a:ea typeface="Calibri"/>
-              </a:rPr>
-              <a:t>Body Level Three</a:t>
-            </a:r>
-            <a:endParaRPr/>
-          </a:p>
-          <a:p>
-            <a:pPr lvl="3">
-              <a:lnSpc>
-                <a:spcPct val="100000"/>
-              </a:lnSpc>
-              <a:buFont typeface="StarSymbol"/>
-              <a:buChar char=""/>
-            </a:pPr>
-            <a:r>
-              <a:rPr lang="en-US" sz="1400">
-                <a:latin typeface="Calibri"/>
-                <a:ea typeface="Calibri"/>
-              </a:rPr>
-              <a:t>Body Level Four</a:t>
-            </a:r>
-            <a:endParaRPr/>
-          </a:p>
-          <a:p>
-            <a:pPr lvl="4">
-              <a:lnSpc>
-                <a:spcPct val="100000"/>
-              </a:lnSpc>
-              <a:buFont typeface="StarSymbol"/>
-              <a:buChar char="»"/>
-            </a:pPr>
-            <a:r>
-              <a:rPr lang="en-US" sz="1400">
-                <a:latin typeface="Calibri"/>
-                <a:ea typeface="Calibri"/>
-              </a:rPr>
-              <a:t>Body Level Five</a:t>
-            </a:r>
-            <a:endParaRPr/>
-          </a:p>
-        </p:txBody>
-      </p:sp>
-      <p:sp>
-        <p:nvSpPr>
-          <p:cNvPr id="7" name="PlaceHolder 7"/>
-          <p:cNvSpPr>
-            <a:spLocks noGrp="1"/>
-          </p:cNvSpPr>
-          <p:nvPr>
-            <p:ph type="title"/>
-          </p:nvPr>
-        </p:nvSpPr>
-        <p:spPr>
-          <a:xfrm>
-            <a:off x="4191120" y="838080"/>
-            <a:ext cx="17754120" cy="5486040"/>
-          </a:xfrm>
-          <a:prstGeom prst="rect">
-            <a:avLst/>
-          </a:prstGeom>
-        </p:spPr>
-        <p:txBody>
-          <a:bodyPr lIns="45720" rIns="45720" tIns="45000" bIns="45000"/>
-          <a:p>
-            <a:pPr>
-              <a:lnSpc>
-                <a:spcPct val="100000"/>
-              </a:lnSpc>
-            </a:pPr>
-            <a:r>
-              <a:rPr b="1" lang="en-US" sz="4600">
-                <a:solidFill>
-                  <a:srgbClr val="ffffff"/>
-                </a:solidFill>
-                <a:latin typeface="Calibri"/>
-                <a:ea typeface="Calibri"/>
-              </a:rPr>
-              <a:t>Click to edit the title text formatTitle Text</a:t>
+              <a:rPr lang="en-US" sz="2000">
+                <a:latin typeface="Arial"/>
+              </a:rPr>
+              <a:t>Seventh Outline Level</a:t>
             </a:r>
             <a:endParaRPr/>
           </a:p>
@@ -1609,259 +1536,126 @@
           <a:chExt cx="0" cy="0"/>
         </a:xfrm>
       </p:grpSpPr>
-      <p:pic>
-        <p:nvPicPr>
-          <p:cNvPr id="42" name="" descr=""/>
-          <p:cNvPicPr/>
-          <p:nvPr/>
-        </p:nvPicPr>
-        <p:blipFill>
-          <a:blip r:embed="rId1"/>
-          <a:srcRect l="14890" t="20169" r="14890" b="15128"/>
-          <a:stretch>
-            <a:fillRect/>
-          </a:stretch>
-        </p:blipFill>
-        <p:spPr>
-          <a:xfrm>
-            <a:off x="9235440" y="2468880"/>
-            <a:ext cx="9784080" cy="9966960"/>
-          </a:xfrm>
-          <a:prstGeom prst="rect">
-            <a:avLst/>
-          </a:prstGeom>
+      <p:sp>
+        <p:nvSpPr>
+          <p:cNvPr id="42" name="CustomShape 1"/>
+          <p:cNvSpPr/>
+          <p:nvPr/>
+        </p:nvSpPr>
+        <p:spPr>
+          <a:xfrm>
+            <a:off x="5047200" y="823320"/>
+            <a:ext cx="22201920" cy="456840"/>
+          </a:xfrm>
+          <a:prstGeom prst="rect">
+            <a:avLst/>
+          </a:prstGeom>
+          <a:noFill/>
           <a:ln>
             <a:noFill/>
           </a:ln>
         </p:spPr>
-      </p:pic>
-      <p:sp>
-        <p:nvSpPr>
-          <p:cNvPr id="43" name="TextShape 1"/>
-          <p:cNvSpPr txBox="1"/>
-          <p:nvPr/>
-        </p:nvSpPr>
-        <p:spPr>
-          <a:xfrm>
-            <a:off x="4572000" y="838080"/>
-            <a:ext cx="22202280" cy="1265040"/>
-          </a:xfrm>
-          <a:prstGeom prst="rect">
-            <a:avLst/>
-          </a:prstGeom>
-        </p:spPr>
         <p:txBody>
           <a:bodyPr lIns="0" rIns="0" tIns="0" bIns="0"/>
+          <a:p>
+            <a:r>
+              <a:rPr b="1" lang="en-US" sz="3000">
+                <a:solidFill>
+                  <a:srgbClr val="000000"/>
+                </a:solidFill>
+                <a:latin typeface="DejaVu Sans"/>
+                <a:ea typeface="Damascus"/>
+              </a:rPr>
+              <a:t>Comparing calcium influx with high-frequency stimulation and burst stimulation LTP protocols</a:t>
+            </a:r>
+            <a:endParaRPr/>
+          </a:p>
+          <a:p>
+            <a:r>
+              <a:rPr b="1" lang="en-US" sz="1600">
+                <a:solidFill>
+                  <a:srgbClr val="000000"/>
+                </a:solidFill>
+                <a:latin typeface="DejaVu Sans"/>
+                <a:ea typeface="Damascus"/>
+              </a:rPr>
+              <a:t>Ximing Li, William R. Holmes</a:t>
+            </a:r>
+            <a:endParaRPr/>
+          </a:p>
+          <a:p>
+            <a:r>
+              <a:rPr lang="en-US" sz="1600">
+                <a:latin typeface="DejaVu Sans"/>
+              </a:rPr>
+              <a:t>Department of Biological Sciences, Neurosciences Program, Ohio University, Athens, 45701, USA</a:t>
+            </a:r>
+            <a:endParaRPr/>
+          </a:p>
+          <a:p>
+            <a:r>
+              <a:rPr b="1" lang="en-US" sz="2600" baseline="31000">
+                <a:solidFill>
+                  <a:srgbClr val="000000"/>
+                </a:solidFill>
+                <a:latin typeface="DejaVu Sans"/>
+                <a:ea typeface="Damascus"/>
+              </a:rPr>
+              <a:t>	</a:t>
+            </a:r>
+            <a:endParaRPr/>
+          </a:p>
           <a:p>
             <a:pPr>
               <a:lnSpc>
                 <a:spcPct val="100000"/>
               </a:lnSpc>
             </a:pPr>
-            <a:r>
-              <a:rPr b="1" lang="en-US" sz="2600">
-                <a:solidFill>
-                  <a:srgbClr val="000000"/>
-                </a:solidFill>
-                <a:latin typeface="Cantarell"/>
-                <a:ea typeface="Damascus"/>
-              </a:rPr>
-              <a:t>  </a:t>
-            </a:r>
-            <a:r>
-              <a:rPr b="1" lang="en-US" sz="2600">
-                <a:solidFill>
-                  <a:srgbClr val="000000"/>
-                </a:solidFill>
-                <a:latin typeface="Cantarell"/>
-                <a:ea typeface="Damascus"/>
-              </a:rPr>
-              <a:t>Comparing calcium influx with high-frequency stimulation and burst stimulation LTP protocols</a:t>
-            </a:r>
-            <a:r>
-              <a:rPr b="1" lang="en-US" sz="2600">
-                <a:solidFill>
-                  <a:srgbClr val="000000"/>
-                </a:solidFill>
-                <a:latin typeface="Cantarell"/>
-                <a:ea typeface="Damascus"/>
-              </a:rPr>
-              <a:t>
-</a:t>
-            </a:r>
-            <a:r>
-              <a:rPr lang="en-US" sz="2600">
-                <a:solidFill>
-                  <a:srgbClr val="000000"/>
-                </a:solidFill>
-                <a:latin typeface="Cantarell"/>
-                <a:ea typeface="Calibri"/>
-              </a:rPr>
-              <a:t>   </a:t>
-            </a:r>
-            <a:r>
-              <a:rPr lang="en-US" sz="2600" baseline="31000">
-                <a:solidFill>
-                  <a:srgbClr val="000000"/>
-                </a:solidFill>
-                <a:latin typeface="Cantarell"/>
-                <a:ea typeface="Calibri"/>
-              </a:rPr>
-              <a:t>Ximing Li, William R Holmes</a:t>
-            </a:r>
-            <a:r>
-              <a:rPr lang="en-US" sz="2600" baseline="31000">
-                <a:solidFill>
-                  <a:srgbClr val="000000"/>
-                </a:solidFill>
-                <a:latin typeface="Cantarell"/>
-                <a:ea typeface="Calibri"/>
-              </a:rPr>
-              <a:t>
-</a:t>
-            </a:r>
-            <a:r>
-              <a:rPr lang="en-US" sz="2600" baseline="31000">
-                <a:solidFill>
-                  <a:srgbClr val="000000"/>
-                </a:solidFill>
-                <a:latin typeface="Cantarell"/>
-                <a:ea typeface="Calibri"/>
-              </a:rPr>
-              <a:t>     Department of Biological Sciences, Neurosciences Program, Ohio University, Athens, OH 45701, USA</a:t>
-            </a:r>
-            <a:r>
-              <a:rPr lang="en-US" sz="2600" baseline="31000">
-                <a:solidFill>
-                  <a:srgbClr val="000000"/>
-                </a:solidFill>
-                <a:latin typeface="Cantarell"/>
-                <a:ea typeface="Damascus"/>
-              </a:rPr>
-              <a:t>
-</a:t>
-            </a:r>
-            <a:endParaRPr/>
-          </a:p>
-        </p:txBody>
-      </p:sp>
-      <p:sp>
-        <p:nvSpPr>
-          <p:cNvPr id="44" name="CustomShape 2"/>
-          <p:cNvSpPr/>
-          <p:nvPr/>
-        </p:nvSpPr>
-        <p:spPr>
-          <a:xfrm>
-            <a:off x="1001880" y="3057840"/>
-            <a:ext cx="2572200" cy="516240"/>
-          </a:xfrm>
-          <a:prstGeom prst="rect">
-            <a:avLst/>
-          </a:prstGeom>
-          <a:noFill/>
-          <a:ln w="12600">
+            <a:endParaRPr/>
+          </a:p>
+          <a:p>
+            <a:endParaRPr/>
+          </a:p>
+          <a:p>
+            <a:endParaRPr/>
+          </a:p>
+          <a:p>
+            <a:endParaRPr/>
+          </a:p>
+          <a:p>
+            <a:endParaRPr/>
+          </a:p>
+        </p:txBody>
+      </p:sp>
+      <p:pic>
+        <p:nvPicPr>
+          <p:cNvPr id="43" name="" descr=""/>
+          <p:cNvPicPr/>
+          <p:nvPr/>
+        </p:nvPicPr>
+        <p:blipFill>
+          <a:blip r:embed="rId1"/>
+          <a:srcRect l="5027" t="2228" r="10050" b="2228"/>
+          <a:stretch>
+            <a:fillRect/>
+          </a:stretch>
+        </p:blipFill>
+        <p:spPr>
+          <a:xfrm>
+            <a:off x="10203840" y="3359160"/>
+            <a:ext cx="8205840" cy="8345160"/>
+          </a:xfrm>
+          <a:prstGeom prst="rect">
+            <a:avLst/>
+          </a:prstGeom>
+          <a:ln>
             <a:noFill/>
           </a:ln>
         </p:spPr>
-        <p:txBody>
-          <a:bodyPr wrap="none" lIns="45720" rIns="45720" tIns="45000" bIns="45000"/>
-          <a:p>
-            <a:pPr>
-              <a:lnSpc>
-                <a:spcPct val="100000"/>
-              </a:lnSpc>
-            </a:pPr>
-            <a:r>
-              <a:rPr b="1" lang="en-US" sz="2800">
-                <a:latin typeface="Calibri"/>
-                <a:ea typeface="Calibri"/>
-              </a:rPr>
-              <a:t>Introduction</a:t>
-            </a:r>
-            <a:endParaRPr/>
-          </a:p>
-        </p:txBody>
-      </p:sp>
-      <p:sp>
-        <p:nvSpPr>
-          <p:cNvPr id="45" name="CustomShape 3"/>
-          <p:cNvSpPr/>
-          <p:nvPr/>
-        </p:nvSpPr>
-        <p:spPr>
-          <a:xfrm>
-            <a:off x="1130400" y="8653680"/>
-            <a:ext cx="1605960" cy="516240"/>
-          </a:xfrm>
-          <a:prstGeom prst="rect">
-            <a:avLst/>
-          </a:prstGeom>
-          <a:noFill/>
-          <a:ln w="12600">
-            <a:noFill/>
-          </a:ln>
-        </p:spPr>
-        <p:txBody>
-          <a:bodyPr wrap="none" lIns="45720" rIns="45720" tIns="45000" bIns="45000"/>
-          <a:p>
-            <a:pPr>
-              <a:lnSpc>
-                <a:spcPct val="100000"/>
-              </a:lnSpc>
-            </a:pPr>
-            <a:r>
-              <a:rPr b="1" lang="en-US" sz="2800">
-                <a:latin typeface="Calibri"/>
-                <a:ea typeface="Calibri"/>
-              </a:rPr>
-              <a:t>Method</a:t>
-            </a:r>
-            <a:endParaRPr/>
-          </a:p>
-        </p:txBody>
-      </p:sp>
-      <p:sp>
-        <p:nvSpPr>
-          <p:cNvPr id="46" name="CustomShape 4"/>
-          <p:cNvSpPr/>
-          <p:nvPr/>
-        </p:nvSpPr>
-        <p:spPr>
-          <a:xfrm>
-            <a:off x="7205760" y="3108960"/>
-            <a:ext cx="1572480" cy="516240"/>
-          </a:xfrm>
-          <a:prstGeom prst="rect">
-            <a:avLst/>
-          </a:prstGeom>
-          <a:noFill/>
-          <a:ln w="12600">
-            <a:noFill/>
-          </a:ln>
-        </p:spPr>
-        <p:txBody>
-          <a:bodyPr wrap="none" lIns="45720" rIns="45720" tIns="45000" bIns="45000"/>
-          <a:p>
-            <a:pPr>
-              <a:lnSpc>
-                <a:spcPct val="100000"/>
-              </a:lnSpc>
-            </a:pPr>
-            <a:r>
-              <a:rPr b="1" lang="en-US" sz="2800">
-                <a:latin typeface="Calibri"/>
-                <a:ea typeface="Calibri"/>
-              </a:rPr>
-              <a:t>Results</a:t>
-            </a:r>
-            <a:endParaRPr/>
-          </a:p>
-        </p:txBody>
-      </p:sp>
+      </p:pic>
       <p:pic>
         <p:nvPicPr>
-          <p:cNvPr id="47" name="" descr=""/>
+          <p:cNvPr id="44" name="" descr=""/>
           <p:cNvPicPr/>
           <p:nvPr/>
         </p:nvPicPr>
@@ -1873,8 +1667,8 @@
         </p:blipFill>
         <p:spPr>
           <a:xfrm>
-            <a:off x="7406640" y="6675120"/>
-            <a:ext cx="4663440" cy="1645920"/>
+            <a:off x="6357600" y="3441600"/>
+            <a:ext cx="5212080" cy="1737360"/>
           </a:xfrm>
           <a:prstGeom prst="rect">
             <a:avLst/>
@@ -1884,6 +1678,120 @@
           </a:ln>
         </p:spPr>
       </p:pic>
+      <p:sp>
+        <p:nvSpPr>
+          <p:cNvPr id="45" name="CustomShape 2"/>
+          <p:cNvSpPr/>
+          <p:nvPr/>
+        </p:nvSpPr>
+        <p:spPr>
+          <a:xfrm>
+            <a:off x="731520" y="2651760"/>
+            <a:ext cx="2571840" cy="515880"/>
+          </a:xfrm>
+          <a:prstGeom prst="rect">
+            <a:avLst/>
+          </a:prstGeom>
+          <a:noFill/>
+          <a:ln w="12600">
+            <a:noFill/>
+          </a:ln>
+        </p:spPr>
+        <p:txBody>
+          <a:bodyPr wrap="none" lIns="45720" rIns="45720" tIns="45000" bIns="45000"/>
+          <a:p>
+            <a:pPr>
+              <a:lnSpc>
+                <a:spcPct val="100000"/>
+              </a:lnSpc>
+            </a:pPr>
+            <a:r>
+              <a:rPr b="1" lang="en-US" sz="2800">
+                <a:latin typeface="DejaVu Sans"/>
+                <a:ea typeface="Calibri"/>
+              </a:rPr>
+              <a:t>Introduction</a:t>
+            </a:r>
+            <a:endParaRPr/>
+          </a:p>
+        </p:txBody>
+      </p:sp>
+      <p:sp>
+        <p:nvSpPr>
+          <p:cNvPr id="46" name="CustomShape 3"/>
+          <p:cNvSpPr/>
+          <p:nvPr/>
+        </p:nvSpPr>
+        <p:spPr>
+          <a:xfrm>
+            <a:off x="914400" y="7789680"/>
+            <a:ext cx="1422720" cy="515880"/>
+          </a:xfrm>
+          <a:prstGeom prst="rect">
+            <a:avLst/>
+          </a:prstGeom>
+          <a:noFill/>
+          <a:ln w="12600">
+            <a:noFill/>
+          </a:ln>
+        </p:spPr>
+        <p:txBody>
+          <a:bodyPr wrap="none" lIns="45720" rIns="45720" tIns="45000" bIns="45000"/>
+          <a:p>
+            <a:pPr>
+              <a:lnSpc>
+                <a:spcPct val="100000"/>
+              </a:lnSpc>
+            </a:pPr>
+            <a:r>
+              <a:rPr b="1" lang="en-US" sz="2800">
+                <a:latin typeface="Calibri"/>
+                <a:ea typeface="Calibri"/>
+              </a:rPr>
+              <a:t>Methods</a:t>
+            </a:r>
+            <a:endParaRPr/>
+          </a:p>
+        </p:txBody>
+      </p:sp>
+      <p:sp>
+        <p:nvSpPr>
+          <p:cNvPr id="47" name="CustomShape 4"/>
+          <p:cNvSpPr/>
+          <p:nvPr/>
+        </p:nvSpPr>
+        <p:spPr>
+          <a:xfrm>
+            <a:off x="6357600" y="2615760"/>
+            <a:ext cx="1572120" cy="515880"/>
+          </a:xfrm>
+          <a:prstGeom prst="rect">
+            <a:avLst/>
+          </a:prstGeom>
+          <a:noFill/>
+          <a:ln w="12600">
+            <a:noFill/>
+          </a:ln>
+        </p:spPr>
+        <p:txBody>
+          <a:bodyPr wrap="none" lIns="45720" rIns="45720" tIns="45000" bIns="45000"/>
+          <a:p>
+            <a:pPr>
+              <a:lnSpc>
+                <a:spcPct val="100000"/>
+              </a:lnSpc>
+            </a:pPr>
+            <a:r>
+              <a:rPr b="1" lang="en-US" sz="2800">
+                <a:latin typeface="DejaVu Sans"/>
+                <a:ea typeface="Calibri"/>
+              </a:rPr>
+              <a:t>Results</a:t>
+            </a:r>
+            <a:endParaRPr/>
+          </a:p>
+        </p:txBody>
+      </p:sp>
       <p:pic>
         <p:nvPicPr>
           <p:cNvPr id="48" name="" descr=""/>
@@ -1892,14 +1800,15 @@
         </p:nvPicPr>
         <p:blipFill>
           <a:blip r:embed="rId3"/>
+          <a:srcRect l="4971" t="-5023" r="49769" b="82054"/>
           <a:stretch>
             <a:fillRect/>
           </a:stretch>
         </p:blipFill>
         <p:spPr>
           <a:xfrm>
-            <a:off x="15910560" y="8986320"/>
-            <a:ext cx="5303520" cy="1346400"/>
+            <a:off x="9249840" y="3350160"/>
+            <a:ext cx="3200400" cy="1280160"/>
           </a:xfrm>
           <a:prstGeom prst="rect">
             <a:avLst/>
@@ -1923,8 +1832,8 @@
         </p:blipFill>
         <p:spPr>
           <a:xfrm>
-            <a:off x="15453360" y="3840480"/>
-            <a:ext cx="5212080" cy="1097280"/>
+            <a:off x="6357600" y="4957200"/>
+            <a:ext cx="5212080" cy="1737360"/>
           </a:xfrm>
           <a:prstGeom prst="rect">
             <a:avLst/>
@@ -1942,14 +1851,15 @@
         </p:nvPicPr>
         <p:blipFill>
           <a:blip r:embed="rId5"/>
+          <a:srcRect l="56719" t="-5028" r="0" b="82059"/>
           <a:stretch>
             <a:fillRect/>
           </a:stretch>
         </p:blipFill>
         <p:spPr>
           <a:xfrm>
-            <a:off x="7589520" y="8321040"/>
-            <a:ext cx="4754880" cy="1737360"/>
+            <a:off x="9460080" y="5084640"/>
+            <a:ext cx="2951280" cy="1061280"/>
           </a:xfrm>
           <a:prstGeom prst="rect">
             <a:avLst/>
@@ -1973,8 +1883,8 @@
         </p:blipFill>
         <p:spPr>
           <a:xfrm>
-            <a:off x="15453360" y="5029200"/>
-            <a:ext cx="5120640" cy="1554480"/>
+            <a:off x="6357600" y="8712000"/>
+            <a:ext cx="5212080" cy="1737360"/>
           </a:xfrm>
           <a:prstGeom prst="rect">
             <a:avLst/>
@@ -1998,8 +1908,8 @@
         </p:blipFill>
         <p:spPr>
           <a:xfrm>
-            <a:off x="15667200" y="6949440"/>
-            <a:ext cx="4998240" cy="1920240"/>
+            <a:off x="15264720" y="3273120"/>
+            <a:ext cx="5486400" cy="1828800"/>
           </a:xfrm>
           <a:prstGeom prst="rect">
             <a:avLst/>
@@ -2023,8 +1933,8 @@
         </p:blipFill>
         <p:spPr>
           <a:xfrm>
-            <a:off x="1097280" y="9326880"/>
-            <a:ext cx="4023360" cy="2103120"/>
+            <a:off x="21055680" y="3216960"/>
+            <a:ext cx="5212080" cy="1737360"/>
           </a:xfrm>
           <a:prstGeom prst="rect">
             <a:avLst/>
@@ -2048,8 +1958,8 @@
         </p:blipFill>
         <p:spPr>
           <a:xfrm>
-            <a:off x="7309800" y="4187880"/>
-            <a:ext cx="4577400" cy="1115640"/>
+            <a:off x="21055680" y="4754880"/>
+            <a:ext cx="5212080" cy="1737360"/>
           </a:xfrm>
           <a:prstGeom prst="rect">
             <a:avLst/>
@@ -2073,8 +1983,8 @@
         </p:blipFill>
         <p:spPr>
           <a:xfrm>
-            <a:off x="7315200" y="5394960"/>
-            <a:ext cx="4668840" cy="914400"/>
+            <a:off x="15264720" y="4883040"/>
+            <a:ext cx="5486400" cy="1828800"/>
           </a:xfrm>
           <a:prstGeom prst="rect">
             <a:avLst/>
@@ -2084,23 +1994,265 @@
           </a:ln>
         </p:spPr>
       </p:pic>
+      <p:sp>
+        <p:nvSpPr>
+          <p:cNvPr id="56" name="TextShape 5"/>
+          <p:cNvSpPr txBox="1"/>
+          <p:nvPr/>
+        </p:nvSpPr>
+        <p:spPr>
+          <a:xfrm>
+            <a:off x="731520" y="3291840"/>
+            <a:ext cx="4846320" cy="4546080"/>
+          </a:xfrm>
+          <a:prstGeom prst="rect">
+            <a:avLst/>
+          </a:prstGeom>
+        </p:spPr>
+        <p:txBody>
+          <a:bodyPr lIns="90000" rIns="90000" tIns="45000" bIns="45000"/>
+          <a:p>
+            <a:r>
+              <a:rPr lang="en-US" sz="1500">
+                <a:latin typeface="DejaVu Sans"/>
+              </a:rPr>
+              <a:t>Two popular protocols for inducing LTP in CA1 pyramidal cells are high-frequency stimulation (HFS), typically continuous 100 Hz tetanization for 1 second, and burst stimulation with 4 pulses at 100 Hz repeated at 200 ms intervals.  NMDA blockers prevent LTP with burst stimulation, but some NMDA-independent LTP remains with HFS.  Conversely, the L-channel antagonist nifedipine strongly inhibits LTP following HFS, but has a relatively small effect on LTP induced by burst stimulation [1].  These different effects are likely to be produced by different levels of calcium influx from different sources caused by different voltage responses generated with the two protocols.  Here we sought to compare calcium influx at spines and the cell body produced by these two protocols quantitatively by using computational models of a CA1 pyramidal cell with full morphology. </a:t>
+            </a:r>
+            <a:endParaRPr/>
+          </a:p>
+          <a:p>
+            <a:endParaRPr/>
+          </a:p>
+        </p:txBody>
+      </p:sp>
+      <p:sp>
+        <p:nvSpPr>
+          <p:cNvPr id="57" name="TextShape 6"/>
+          <p:cNvSpPr txBox="1"/>
+          <p:nvPr/>
+        </p:nvSpPr>
+        <p:spPr>
+          <a:xfrm>
+            <a:off x="731520" y="8412480"/>
+            <a:ext cx="4846320" cy="1872360"/>
+          </a:xfrm>
+          <a:prstGeom prst="rect">
+            <a:avLst/>
+          </a:prstGeom>
+        </p:spPr>
+        <p:txBody>
+          <a:bodyPr lIns="90000" rIns="90000" tIns="45000" bIns="45000"/>
+          <a:p>
+            <a:r>
+              <a:rPr lang="en-US" sz="1500">
+                <a:solidFill>
+                  <a:srgbClr val="000000"/>
+                </a:solidFill>
+                <a:latin typeface="DejaVu Sans"/>
+                <a:ea typeface="Droid Sans Fallback"/>
+              </a:rPr>
+              <a:t>We built a CA1 pyramidal neuron model with detailed morphology and voltage-dependent conductances and subjected it to HFS or theta burst stimulation. For synapses, the probability of vesicle release at each position in a long HFS (80 pulse) train was taken from experimental data (see below).</a:t>
+            </a:r>
+            <a:endParaRPr/>
+          </a:p>
+          <a:p>
+            <a:pPr algn="just"/>
+            <a:endParaRPr/>
+          </a:p>
+        </p:txBody>
+      </p:sp>
+      <p:sp>
+        <p:nvSpPr>
+          <p:cNvPr id="58" name="TextShape 7"/>
+          <p:cNvSpPr txBox="1"/>
+          <p:nvPr/>
+        </p:nvSpPr>
+        <p:spPr>
+          <a:xfrm>
+            <a:off x="21055680" y="9126360"/>
+            <a:ext cx="5168160" cy="2693520"/>
+          </a:xfrm>
+          <a:prstGeom prst="rect">
+            <a:avLst/>
+          </a:prstGeom>
+        </p:spPr>
+        <p:txBody>
+          <a:bodyPr lIns="90000" rIns="90000" tIns="45000" bIns="45000"/>
+          <a:p>
+            <a:r>
+              <a:rPr lang="en-US" sz="1600">
+                <a:latin typeface="DejaVu Sans"/>
+              </a:rPr>
+              <a:t>The larger total calcium influx seen with burst stimulation is consistent with the observation that this is a more effective protocol than continuous tetanization for inducing LTP.  How the differences in calcium signals observed at spines and the soma with these two different protocols affect LTP induction or explain the different actions of L-channel and NMDA blockers on LTP induction with these protocols awaits further study.</a:t>
+            </a:r>
+            <a:endParaRPr/>
+          </a:p>
+          <a:p>
+            <a:endParaRPr/>
+          </a:p>
+        </p:txBody>
+      </p:sp>
+      <p:sp>
+        <p:nvSpPr>
+          <p:cNvPr id="59" name="TextShape 8"/>
+          <p:cNvSpPr txBox="1"/>
+          <p:nvPr/>
+        </p:nvSpPr>
+        <p:spPr>
+          <a:xfrm>
+            <a:off x="21055680" y="6492240"/>
+            <a:ext cx="5173200" cy="1858680"/>
+          </a:xfrm>
+          <a:prstGeom prst="rect">
+            <a:avLst/>
+          </a:prstGeom>
+        </p:spPr>
+        <p:txBody>
+          <a:bodyPr lIns="90000" rIns="90000" tIns="45000" bIns="45000"/>
+          <a:p>
+            <a:r>
+              <a:rPr lang="en-US" sz="1500">
+                <a:latin typeface="DejaVu Sans"/>
+              </a:rPr>
+              <a:t>We occasionally saw spikelets of 10s of mV generated in the dendrites with continuous tetanization, but these did not propagate successfully to affect soma voltage.  Initial spikes or spikes generated after a quiet period tended to be generated at the initial segment, but the site of action potential generation of subsequent spikes moved into the dendrites. </a:t>
+            </a:r>
+            <a:endParaRPr/>
+          </a:p>
+        </p:txBody>
+      </p:sp>
+      <p:sp>
+        <p:nvSpPr>
+          <p:cNvPr id="60" name="TextShape 9"/>
+          <p:cNvSpPr txBox="1"/>
+          <p:nvPr/>
+        </p:nvSpPr>
+        <p:spPr>
+          <a:xfrm>
+            <a:off x="21055680" y="8548200"/>
+            <a:ext cx="2354040" cy="503280"/>
+          </a:xfrm>
+          <a:prstGeom prst="rect">
+            <a:avLst/>
+          </a:prstGeom>
+        </p:spPr>
+        <p:txBody>
+          <a:bodyPr lIns="90000" rIns="90000" tIns="45000" bIns="45000"/>
+          <a:p>
+            <a:r>
+              <a:rPr b="1" lang="en-US" sz="2800">
+                <a:latin typeface="DejaVu Sans"/>
+              </a:rPr>
+              <a:t>Conclusion</a:t>
+            </a:r>
+            <a:endParaRPr/>
+          </a:p>
+        </p:txBody>
+      </p:sp>
+      <p:sp>
+        <p:nvSpPr>
+          <p:cNvPr id="61" name="TextShape 10"/>
+          <p:cNvSpPr txBox="1"/>
+          <p:nvPr/>
+        </p:nvSpPr>
+        <p:spPr>
+          <a:xfrm>
+            <a:off x="21055680" y="11906640"/>
+            <a:ext cx="2926080" cy="503280"/>
+          </a:xfrm>
+          <a:prstGeom prst="rect">
+            <a:avLst/>
+          </a:prstGeom>
+        </p:spPr>
+        <p:txBody>
+          <a:bodyPr lIns="90000" rIns="90000" tIns="45000" bIns="45000"/>
+          <a:p>
+            <a:r>
+              <a:rPr b="1" lang="en-US" sz="2800">
+                <a:latin typeface="DejaVu Sans"/>
+              </a:rPr>
+              <a:t>References</a:t>
+            </a:r>
+            <a:endParaRPr/>
+          </a:p>
+        </p:txBody>
+      </p:sp>
+      <p:sp>
+        <p:nvSpPr>
+          <p:cNvPr id="62" name="TextShape 11"/>
+          <p:cNvSpPr txBox="1"/>
+          <p:nvPr/>
+        </p:nvSpPr>
+        <p:spPr>
+          <a:xfrm>
+            <a:off x="21055680" y="12477960"/>
+            <a:ext cx="5577840" cy="1760760"/>
+          </a:xfrm>
+          <a:prstGeom prst="rect">
+            <a:avLst/>
+          </a:prstGeom>
+        </p:spPr>
+        <p:txBody>
+          <a:bodyPr lIns="90000" rIns="90000" tIns="45000" bIns="45000"/>
+          <a:p>
+            <a:r>
+              <a:rPr lang="en-US" sz="1400">
+                <a:latin typeface="DejaVu Sans"/>
+              </a:rPr>
+              <a:t>1. Grover LM, Kim E, Cooke JD, Holmes WR: LTP in hippocampal area CA1 is induced by burst stimulation over a broad frequency range centered around delta. </a:t>
+            </a:r>
+            <a:r>
+              <a:rPr i="1" lang="en-US" sz="1400">
+                <a:latin typeface="DejaVu Sans"/>
+              </a:rPr>
+              <a:t>Learn Mem </a:t>
+            </a:r>
+            <a:r>
+              <a:rPr lang="en-US" sz="1400">
+                <a:latin typeface="DejaVu Sans"/>
+              </a:rPr>
+              <a:t>2009, 16:69-81.    </a:t>
+            </a:r>
+            <a:endParaRPr/>
+          </a:p>
+          <a:p>
+            <a:r>
+              <a:rPr lang="en-US" sz="1400">
+                <a:latin typeface="DejaVu Sans"/>
+              </a:rPr>
+              <a:t>2. Kim E, Owen B, Holmes WR, Grover LM: Decreased afferent excitability contributes to synaptic depression during high-frequency stimulation in hippocampal area CA1.  </a:t>
+            </a:r>
+            <a:r>
+              <a:rPr i="1" lang="en-US" sz="1400">
+                <a:latin typeface="DejaVu Sans"/>
+              </a:rPr>
+              <a:t>J Neurophysiol</a:t>
+            </a:r>
+            <a:r>
+              <a:rPr lang="en-US" sz="1400">
+                <a:latin typeface="DejaVu Sans"/>
+              </a:rPr>
+              <a:t>  2012, 108:1965-1976.  </a:t>
+            </a:r>
+            <a:endParaRPr/>
+          </a:p>
+        </p:txBody>
+      </p:sp>
       <p:pic>
         <p:nvPicPr>
-          <p:cNvPr id="56" name="" descr=""/>
+          <p:cNvPr id="63" name="" descr=""/>
           <p:cNvPicPr/>
           <p:nvPr/>
         </p:nvPicPr>
         <p:blipFill>
           <a:blip r:embed="rId11"/>
-          <a:srcRect l="4976" t="-5028" r="49774" b="82059"/>
           <a:stretch>
             <a:fillRect/>
           </a:stretch>
         </p:blipFill>
         <p:spPr>
           <a:xfrm>
-            <a:off x="9784080" y="4389120"/>
-            <a:ext cx="1828800" cy="548640"/>
+            <a:off x="6357600" y="11753280"/>
+            <a:ext cx="5212080" cy="1737360"/>
           </a:xfrm>
           <a:prstGeom prst="rect">
             <a:avLst/>
@@ -2112,21 +2264,20 @@
       </p:pic>
       <p:pic>
         <p:nvPicPr>
-          <p:cNvPr id="57" name="" descr=""/>
+          <p:cNvPr id="64" name="" descr=""/>
           <p:cNvPicPr/>
           <p:nvPr/>
         </p:nvPicPr>
         <p:blipFill>
           <a:blip r:embed="rId12"/>
-          <a:srcRect l="54750" t="-5028" r="0" b="82059"/>
           <a:stretch>
             <a:fillRect/>
           </a:stretch>
         </p:blipFill>
         <p:spPr>
           <a:xfrm>
-            <a:off x="11430000" y="5425560"/>
-            <a:ext cx="1737360" cy="609480"/>
+            <a:off x="6357600" y="13260240"/>
+            <a:ext cx="5212080" cy="1737360"/>
           </a:xfrm>
           <a:prstGeom prst="rect">
             <a:avLst/>
@@ -2136,35 +2287,513 @@
           </a:ln>
         </p:spPr>
       </p:pic>
+      <p:pic>
+        <p:nvPicPr>
+          <p:cNvPr id="65" name="" descr=""/>
+          <p:cNvPicPr/>
+          <p:nvPr/>
+        </p:nvPicPr>
+        <p:blipFill>
+          <a:blip r:embed="rId13"/>
+          <a:stretch>
+            <a:fillRect/>
+          </a:stretch>
+        </p:blipFill>
+        <p:spPr>
+          <a:xfrm>
+            <a:off x="15264720" y="9157680"/>
+            <a:ext cx="5212080" cy="1737360"/>
+          </a:xfrm>
+          <a:prstGeom prst="rect">
+            <a:avLst/>
+          </a:prstGeom>
+          <a:ln>
+            <a:noFill/>
+          </a:ln>
+        </p:spPr>
+      </p:pic>
+      <p:pic>
+        <p:nvPicPr>
+          <p:cNvPr id="66" name="" descr=""/>
+          <p:cNvPicPr/>
+          <p:nvPr/>
+        </p:nvPicPr>
+        <p:blipFill>
+          <a:blip r:embed="rId14"/>
+          <a:stretch>
+            <a:fillRect/>
+          </a:stretch>
+        </p:blipFill>
+        <p:spPr>
+          <a:xfrm>
+            <a:off x="15264720" y="10676160"/>
+            <a:ext cx="5212080" cy="1737360"/>
+          </a:xfrm>
+          <a:prstGeom prst="rect">
+            <a:avLst/>
+          </a:prstGeom>
+          <a:ln>
+            <a:noFill/>
+          </a:ln>
+        </p:spPr>
+      </p:pic>
+      <p:pic>
+        <p:nvPicPr>
+          <p:cNvPr id="67" name="" descr=""/>
+          <p:cNvPicPr/>
+          <p:nvPr/>
+        </p:nvPicPr>
+        <p:blipFill>
+          <a:blip r:embed="rId15"/>
+          <a:stretch>
+            <a:fillRect/>
+          </a:stretch>
+        </p:blipFill>
+        <p:spPr>
+          <a:xfrm>
+            <a:off x="731520" y="10520280"/>
+            <a:ext cx="4846320" cy="1737360"/>
+          </a:xfrm>
+          <a:prstGeom prst="rect">
+            <a:avLst/>
+          </a:prstGeom>
+          <a:ln>
+            <a:noFill/>
+          </a:ln>
+        </p:spPr>
+      </p:pic>
+      <p:sp>
+        <p:nvSpPr>
+          <p:cNvPr id="68" name="TextShape 12"/>
+          <p:cNvSpPr txBox="1"/>
+          <p:nvPr/>
+        </p:nvSpPr>
+        <p:spPr>
+          <a:xfrm>
+            <a:off x="731520" y="10141920"/>
+            <a:ext cx="4846320" cy="507960"/>
+          </a:xfrm>
+          <a:prstGeom prst="rect">
+            <a:avLst/>
+          </a:prstGeom>
+        </p:spPr>
+        <p:txBody>
+          <a:bodyPr lIns="90000" rIns="90000" tIns="45000" bIns="45000"/>
+          <a:p>
+            <a:r>
+              <a:rPr b="1" lang="en-US" sz="1400">
+                <a:latin typeface="DejaVu Sans"/>
+              </a:rPr>
+              <a:t>Probability of release as a function of position in an HFS train (adapted from [2])</a:t>
+            </a:r>
+            <a:endParaRPr/>
+          </a:p>
+        </p:txBody>
+      </p:sp>
+      <p:sp>
+        <p:nvSpPr>
+          <p:cNvPr id="69" name="TextShape 13"/>
+          <p:cNvSpPr txBox="1"/>
+          <p:nvPr/>
+        </p:nvSpPr>
+        <p:spPr>
+          <a:xfrm>
+            <a:off x="731520" y="12365640"/>
+            <a:ext cx="4937760" cy="1858680"/>
+          </a:xfrm>
+          <a:prstGeom prst="rect">
+            <a:avLst/>
+          </a:prstGeom>
+        </p:spPr>
+        <p:txBody>
+          <a:bodyPr lIns="90000" rIns="90000" tIns="45000" bIns="45000"/>
+          <a:p>
+            <a:r>
+              <a:rPr lang="en-US" sz="1500">
+                <a:latin typeface="DejaVu Sans"/>
+              </a:rPr>
+              <a:t>For burst stimulation (20 bursts, 80 total pulses) the probability of release for the four pulses in a burst was taken as the probability of release for the first four pulses in the HFS train. Calcium influx through NMDA receptor channels was computed at several dendritic spines and calcium influx through L-type calcium channels was computed at the soma.</a:t>
+            </a:r>
+            <a:endParaRPr/>
+          </a:p>
+        </p:txBody>
+      </p:sp>
+      <p:sp>
+        <p:nvSpPr>
+          <p:cNvPr id="70" name="TextShape 14"/>
+          <p:cNvSpPr txBox="1"/>
+          <p:nvPr/>
+        </p:nvSpPr>
+        <p:spPr>
+          <a:xfrm>
+            <a:off x="6357600" y="3149640"/>
+            <a:ext cx="5212080" cy="299160"/>
+          </a:xfrm>
+          <a:prstGeom prst="rect">
+            <a:avLst/>
+          </a:prstGeom>
+        </p:spPr>
+        <p:txBody>
+          <a:bodyPr lIns="90000" rIns="90000" tIns="45000" bIns="45000"/>
+          <a:p>
+            <a:r>
+              <a:rPr b="1" lang="en-US" sz="1400">
+                <a:latin typeface="DejaVu Sans"/>
+              </a:rPr>
+              <a:t>Soma voltages during HFS and burst stimulation</a:t>
+            </a:r>
+            <a:endParaRPr/>
+          </a:p>
+        </p:txBody>
+      </p:sp>
+      <p:sp>
+        <p:nvSpPr>
+          <p:cNvPr id="71" name="TextShape 15"/>
+          <p:cNvSpPr txBox="1"/>
+          <p:nvPr/>
+        </p:nvSpPr>
+        <p:spPr>
+          <a:xfrm>
+            <a:off x="6357600" y="6658560"/>
+            <a:ext cx="5852160" cy="1637640"/>
+          </a:xfrm>
+          <a:prstGeom prst="rect">
+            <a:avLst/>
+          </a:prstGeom>
+        </p:spPr>
+        <p:txBody>
+          <a:bodyPr lIns="90000" rIns="90000" tIns="45000" bIns="45000"/>
+          <a:p>
+            <a:r>
+              <a:rPr lang="en-US" sz="1500">
+                <a:latin typeface="DejaVu Sans"/>
+              </a:rPr>
+              <a:t>HFS stimulation (top) and burst stimulation (bottom). Model results are compared to experimental data from [1] (insets on the right). With HFS there is a burst of action potentials early in the train, but few or no action potentials later in the train, although voltage remains elevated. Burst stimulation reliably produces 1-4 action potentials in each burst.</a:t>
+            </a:r>
+            <a:endParaRPr/>
+          </a:p>
+        </p:txBody>
+      </p:sp>
+      <p:sp>
+        <p:nvSpPr>
+          <p:cNvPr id="72" name="TextShape 16"/>
+          <p:cNvSpPr txBox="1"/>
+          <p:nvPr/>
+        </p:nvSpPr>
+        <p:spPr>
+          <a:xfrm>
+            <a:off x="6357600" y="8457120"/>
+            <a:ext cx="6809760" cy="299160"/>
+          </a:xfrm>
+          <a:prstGeom prst="rect">
+            <a:avLst/>
+          </a:prstGeom>
+        </p:spPr>
+        <p:txBody>
+          <a:bodyPr lIns="90000" rIns="90000" tIns="45000" bIns="45000"/>
+          <a:p>
+            <a:r>
+              <a:rPr b="1" lang="en-US" sz="1400">
+                <a:latin typeface="DejaVu Sans"/>
+              </a:rPr>
+              <a:t>Total calcium influx at the soma is greater with burst stimulation</a:t>
+            </a:r>
+            <a:endParaRPr/>
+          </a:p>
+        </p:txBody>
+      </p:sp>
+      <p:sp>
+        <p:nvSpPr>
+          <p:cNvPr id="73" name="TextShape 17"/>
+          <p:cNvSpPr txBox="1"/>
+          <p:nvPr/>
+        </p:nvSpPr>
+        <p:spPr>
+          <a:xfrm>
+            <a:off x="6357600" y="10395000"/>
+            <a:ext cx="5852160" cy="974520"/>
+          </a:xfrm>
+          <a:prstGeom prst="rect">
+            <a:avLst/>
+          </a:prstGeom>
+        </p:spPr>
+        <p:txBody>
+          <a:bodyPr lIns="90000" rIns="90000" tIns="45000" bIns="45000"/>
+          <a:p>
+            <a:r>
+              <a:rPr lang="en-US" sz="1500">
+                <a:latin typeface="DejaVu Sans"/>
+              </a:rPr>
+              <a:t>Accumulated calcium influx at the soma is initially higher with HFS but becomes much larger with burst stimulation. Total influx is correlated with number of action potentials fired.</a:t>
+            </a:r>
+            <a:endParaRPr/>
+          </a:p>
+        </p:txBody>
+      </p:sp>
+      <p:sp>
+        <p:nvSpPr>
+          <p:cNvPr id="74" name="TextShape 18"/>
+          <p:cNvSpPr txBox="1"/>
+          <p:nvPr/>
+        </p:nvSpPr>
+        <p:spPr>
+          <a:xfrm>
+            <a:off x="6357600" y="11430000"/>
+            <a:ext cx="7815600" cy="299160"/>
+          </a:xfrm>
+          <a:prstGeom prst="rect">
+            <a:avLst/>
+          </a:prstGeom>
+        </p:spPr>
+        <p:txBody>
+          <a:bodyPr lIns="90000" rIns="90000" tIns="45000" bIns="45000"/>
+          <a:p>
+            <a:r>
+              <a:rPr b="1" lang="en-US" sz="1400">
+                <a:latin typeface="DejaVu Sans"/>
+              </a:rPr>
+              <a:t>Average soma [Ca] is greater with HFS stimulation</a:t>
+            </a:r>
+            <a:endParaRPr/>
+          </a:p>
+        </p:txBody>
+      </p:sp>
+      <p:sp>
+        <p:nvSpPr>
+          <p:cNvPr id="75" name="TextShape 19"/>
+          <p:cNvSpPr txBox="1"/>
+          <p:nvPr/>
+        </p:nvSpPr>
+        <p:spPr>
+          <a:xfrm>
+            <a:off x="11569680" y="12063240"/>
+            <a:ext cx="2694960" cy="2300760"/>
+          </a:xfrm>
+          <a:prstGeom prst="rect">
+            <a:avLst/>
+          </a:prstGeom>
+        </p:spPr>
+        <p:txBody>
+          <a:bodyPr lIns="90000" rIns="90000" tIns="45000" bIns="45000"/>
+          <a:p>
+            <a:r>
+              <a:rPr lang="en-US" sz="1500">
+                <a:latin typeface="DejaVu Sans"/>
+              </a:rPr>
+              <a:t>Calcium transients and average calcium concentration computed at the soma for HFS (top) and burst stimulation (bottom). Average soma [Ca] for the first few hundred milliseconds is much larger with HFS stimulation.</a:t>
+            </a:r>
+            <a:endParaRPr/>
+          </a:p>
+        </p:txBody>
+      </p:sp>
+      <p:sp>
+        <p:nvSpPr>
+          <p:cNvPr id="76" name="TextShape 20"/>
+          <p:cNvSpPr txBox="1"/>
+          <p:nvPr/>
+        </p:nvSpPr>
+        <p:spPr>
+          <a:xfrm>
+            <a:off x="15264720" y="3022560"/>
+            <a:ext cx="5675040" cy="299160"/>
+          </a:xfrm>
+          <a:prstGeom prst="rect">
+            <a:avLst/>
+          </a:prstGeom>
+        </p:spPr>
+        <p:txBody>
+          <a:bodyPr lIns="90000" rIns="90000" tIns="45000" bIns="45000"/>
+          <a:p>
+            <a:r>
+              <a:rPr b="1" lang="en-US" sz="1400">
+                <a:latin typeface="DejaVu Sans"/>
+              </a:rPr>
+              <a:t>Calcium current through NMDAR at selected spines</a:t>
+            </a:r>
+            <a:endParaRPr/>
+          </a:p>
+        </p:txBody>
+      </p:sp>
+      <p:sp>
+        <p:nvSpPr>
+          <p:cNvPr id="77" name="TextShape 21"/>
+          <p:cNvSpPr txBox="1"/>
+          <p:nvPr/>
+        </p:nvSpPr>
+        <p:spPr>
+          <a:xfrm>
+            <a:off x="15264720" y="6819840"/>
+            <a:ext cx="4724640" cy="1195560"/>
+          </a:xfrm>
+          <a:prstGeom prst="rect">
+            <a:avLst/>
+          </a:prstGeom>
+        </p:spPr>
+        <p:txBody>
+          <a:bodyPr lIns="90000" rIns="90000" tIns="45000" bIns="45000"/>
+          <a:p>
+            <a:r>
+              <a:rPr lang="en-US" sz="1500">
+                <a:latin typeface="DejaVu Sans"/>
+              </a:rPr>
+              <a:t>HFS stimulation (top) and theta burst stimulation (bottom). Spines are located in the cell as indicated on the cell figure. Note the smaller currents that continue to be generated with HFS when there are no action potentials.</a:t>
+            </a:r>
+            <a:endParaRPr/>
+          </a:p>
+        </p:txBody>
+      </p:sp>
+      <p:sp>
+        <p:nvSpPr>
+          <p:cNvPr id="78" name="TextShape 22"/>
+          <p:cNvSpPr txBox="1"/>
+          <p:nvPr/>
+        </p:nvSpPr>
+        <p:spPr>
+          <a:xfrm>
+            <a:off x="15264720" y="8586720"/>
+            <a:ext cx="5675040" cy="507960"/>
+          </a:xfrm>
+          <a:prstGeom prst="rect">
+            <a:avLst/>
+          </a:prstGeom>
+        </p:spPr>
+        <p:txBody>
+          <a:bodyPr lIns="90000" rIns="90000" tIns="45000" bIns="45000"/>
+          <a:p>
+            <a:r>
+              <a:rPr b="1" lang="en-US" sz="1400">
+                <a:latin typeface="DejaVu Sans"/>
+              </a:rPr>
+              <a:t>Total calcium influx at spines is greater with burst stimulation</a:t>
+            </a:r>
+            <a:endParaRPr/>
+          </a:p>
+        </p:txBody>
+      </p:sp>
+      <p:sp>
+        <p:nvSpPr>
+          <p:cNvPr id="79" name="TextShape 23"/>
+          <p:cNvSpPr txBox="1"/>
+          <p:nvPr/>
+        </p:nvSpPr>
+        <p:spPr>
+          <a:xfrm>
+            <a:off x="15264720" y="12515760"/>
+            <a:ext cx="4846320" cy="974520"/>
+          </a:xfrm>
+          <a:prstGeom prst="rect">
+            <a:avLst/>
+          </a:prstGeom>
+        </p:spPr>
+        <p:txBody>
+          <a:bodyPr lIns="90000" rIns="90000" tIns="45000" bIns="45000"/>
+          <a:p>
+            <a:r>
+              <a:rPr lang="en-US" sz="1500">
+                <a:latin typeface="DejaVu Sans"/>
+              </a:rPr>
+              <a:t>Accumulated calcium influx at labeled spines. HFS (top), burst (bottom). Total influx was greater with HFS at early times, but became larger with burst stimulation at later times.</a:t>
+            </a:r>
+            <a:endParaRPr/>
+          </a:p>
+        </p:txBody>
+      </p:sp>
+      <p:sp>
+        <p:nvSpPr>
+          <p:cNvPr id="80" name="TextShape 24"/>
+          <p:cNvSpPr txBox="1"/>
+          <p:nvPr/>
+        </p:nvSpPr>
+        <p:spPr>
+          <a:xfrm>
+            <a:off x="21055680" y="3017520"/>
+            <a:ext cx="2651760" cy="299160"/>
+          </a:xfrm>
+          <a:prstGeom prst="rect">
+            <a:avLst/>
+          </a:prstGeom>
+        </p:spPr>
+        <p:txBody>
+          <a:bodyPr lIns="90000" rIns="90000" tIns="45000" bIns="45000"/>
+          <a:p>
+            <a:r>
+              <a:rPr b="1" lang="en-US" sz="1400">
+                <a:latin typeface="DejaVu Sans"/>
+              </a:rPr>
+              <a:t>Spikelets </a:t>
+            </a:r>
+            <a:endParaRPr/>
+          </a:p>
+        </p:txBody>
+      </p:sp>
+      <p:sp>
+        <p:nvSpPr>
+          <p:cNvPr id="81" name="Line 25"/>
+          <p:cNvSpPr/>
+          <p:nvPr/>
+        </p:nvSpPr>
+        <p:spPr>
+          <a:xfrm>
+            <a:off x="24414480" y="3749040"/>
+            <a:ext cx="182880" cy="91440"/>
+          </a:xfrm>
+          <a:prstGeom prst="line">
+            <a:avLst/>
+          </a:prstGeom>
+          <a:ln>
+            <a:solidFill>
+              <a:srgbClr val="000000"/>
+            </a:solidFill>
+            <a:tailEnd len="med" type="triangle" w="med"/>
+          </a:ln>
+        </p:spPr>
+      </p:sp>
+      <p:sp>
+        <p:nvSpPr>
+          <p:cNvPr id="82" name="Line 26"/>
+          <p:cNvSpPr/>
+          <p:nvPr/>
+        </p:nvSpPr>
+        <p:spPr>
+          <a:xfrm flipH="1">
+            <a:off x="24780240" y="3840480"/>
+            <a:ext cx="182880" cy="91440"/>
+          </a:xfrm>
+          <a:prstGeom prst="line">
+            <a:avLst/>
+          </a:prstGeom>
+          <a:ln>
+            <a:solidFill>
+              <a:srgbClr val="000000"/>
+            </a:solidFill>
+            <a:tailEnd len="med" type="triangle" w="med"/>
+          </a:ln>
+        </p:spPr>
+      </p:sp>
+      <p:sp>
+        <p:nvSpPr>
+          <p:cNvPr id="83" name="Line 27"/>
+          <p:cNvSpPr/>
+          <p:nvPr/>
+        </p:nvSpPr>
+        <p:spPr>
+          <a:xfrm>
+            <a:off x="22037040" y="5120640"/>
+            <a:ext cx="182880" cy="91440"/>
+          </a:xfrm>
+          <a:prstGeom prst="line">
+            <a:avLst/>
+          </a:prstGeom>
+          <a:ln>
+            <a:solidFill>
+              <a:srgbClr val="000000"/>
+            </a:solidFill>
+            <a:tailEnd len="med" type="triangle" w="med"/>
+          </a:ln>
+        </p:spPr>
+      </p:sp>
     </p:spTree>
   </p:cSld>
-  <p:timing>
-    <p:tnLst>
-      <p:par>
-        <p:cTn id="1" dur="indefinite" restart="never" nodeType="tmRoot">
-          <p:childTnLst>
-            <p:seq>
-              <p:cTn id="2" nodeType="mainSeq"/>
-              <p:prevCondLst>
-                <p:cond delay="0" evt="onPrev">
-                  <p:tgtEl>
-                    <p:sldTgt/>
-                  </p:tgtEl>
-                </p:cond>
-              </p:prevCondLst>
-              <p:nextCondLst>
-                <p:cond delay="0" evt="onNext">
-                  <p:tgtEl>
-                    <p:sldTgt/>
-                  </p:tgtEl>
-                </p:cond>
-              </p:nextCondLst>
-            </p:seq>
-          </p:childTnLst>
-        </p:cTn>
-      </p:par>
-    </p:tnLst>
-  </p:timing>
 </p:sld>
 </file>
 
